--- a/IHR_GEO_Presentation.pptx
+++ b/IHR_GEO_Presentation.pptx
@@ -3039,7 +3039,14 @@
             </a:endParaRPr>
           </a:p>
           <a:p>
-            <a:endParaRPr lang="en-US">
+            <a:r>
+              <a:rPr lang="en-US" altLang="en-US">
+                <a:latin typeface="Times New Roman" panose="02020603050405020304" charset="0"/>
+                <a:cs typeface="Times New Roman" panose="02020603050405020304" charset="0"/>
+              </a:rPr>
+              <a:t>DS-S-WD-T-B56</a:t>
+            </a:r>
+            <a:endParaRPr lang="en-US" altLang="en-US">
               <a:latin typeface="Times New Roman" panose="02020603050405020304" charset="0"/>
               <a:cs typeface="Times New Roman" panose="02020603050405020304" charset="0"/>
             </a:endParaRPr>
